--- a/presentation1/presentation1.pptx
+++ b/presentation1/presentation1.pptx
@@ -142,6 +142,11 @@
       </a:defRPr>
     </a:lvl9pPr>
   </p:defaultTextStyle>
+  <p:extLst>
+    <p:ext uri="{EFAFB233-063F-42B5-8137-9DF3F51BA10A}">
+      <p15:sldGuideLst xmlns:p15="http://schemas.microsoft.com/office/powerpoint/2012/main"/>
+    </p:ext>
+  </p:extLst>
 </p:presentation>
 </file>
 
@@ -257,7 +262,7 @@
               <a:pPr>
                 <a:defRPr/>
               </a:pPr>
-              <a:t>18.10.2016</a:t>
+              <a:t>19.10.16</a:t>
             </a:fld>
             <a:endParaRPr lang="de-DE"/>
           </a:p>
@@ -1225,7 +1230,7 @@
               <a:pPr>
                 <a:defRPr/>
               </a:pPr>
-              <a:t>18.10.2016</a:t>
+              <a:t>19.10.16</a:t>
             </a:fld>
             <a:endParaRPr lang="de-AT" dirty="0"/>
           </a:p>
@@ -1585,7 +1590,7 @@
               <a:pPr>
                 <a:defRPr/>
               </a:pPr>
-              <a:t>18.10.2016</a:t>
+              <a:t>19.10.16</a:t>
             </a:fld>
             <a:endParaRPr lang="de-DE" dirty="0"/>
           </a:p>
@@ -1842,7 +1847,7 @@
               <a:pPr>
                 <a:defRPr/>
               </a:pPr>
-              <a:t>18.10.2016</a:t>
+              <a:t>19.10.16</a:t>
             </a:fld>
             <a:endParaRPr lang="de-AT" dirty="0"/>
           </a:p>
@@ -2202,7 +2207,7 @@
               <a:pPr>
                 <a:defRPr/>
               </a:pPr>
-              <a:t>18.10.2016</a:t>
+              <a:t>19.10.16</a:t>
             </a:fld>
             <a:endParaRPr lang="de-DE" dirty="0"/>
           </a:p>
@@ -3438,7 +3443,7 @@
               <a:pPr>
                 <a:defRPr/>
               </a:pPr>
-              <a:t>18.10.2016</a:t>
+              <a:t>19.10.16</a:t>
             </a:fld>
             <a:endParaRPr lang="de-DE"/>
           </a:p>
@@ -4297,7 +4302,7 @@
               <a:pPr>
                 <a:defRPr/>
               </a:pPr>
-              <a:t>18.10.2016</a:t>
+              <a:t>19.10.16</a:t>
             </a:fld>
             <a:endParaRPr lang="de-DE"/>
           </a:p>
@@ -5319,6 +5324,67 @@
           <a:bodyPr/>
           <a:lstStyle/>
           <a:p>
+            <a:pPr>
+              <a:buFont typeface="Arial" charset="0"/>
+              <a:buChar char="•"/>
+            </a:pPr>
+            <a:r>
+              <a:rPr lang="en-GB" dirty="0" smtClean="0"/>
+              <a:t>Migrate not only in case of failure but also when the location of the edge becomes suboptimal in relation to the user’s position:</a:t>
+            </a:r>
+          </a:p>
+          <a:p>
+            <a:pPr lvl="1">
+              <a:buFont typeface="Arial" charset="0"/>
+              <a:buChar char="•"/>
+            </a:pPr>
+            <a:r>
+              <a:rPr lang="en-GB" dirty="0" smtClean="0"/>
+              <a:t>Distance</a:t>
+            </a:r>
+          </a:p>
+          <a:p>
+            <a:pPr lvl="1">
+              <a:buFont typeface="Arial" charset="0"/>
+              <a:buChar char="•"/>
+            </a:pPr>
+            <a:r>
+              <a:rPr lang="en-GB" dirty="0" smtClean="0"/>
+              <a:t>Bandwidth</a:t>
+            </a:r>
+          </a:p>
+          <a:p>
+            <a:pPr lvl="1">
+              <a:buFont typeface="Arial" charset="0"/>
+              <a:buChar char="•"/>
+            </a:pPr>
+            <a:r>
+              <a:rPr lang="en-GB" dirty="0" smtClean="0"/>
+              <a:t>Cost</a:t>
+            </a:r>
+          </a:p>
+          <a:p>
+            <a:pPr lvl="1">
+              <a:buFont typeface="Arial" charset="0"/>
+              <a:buChar char="•"/>
+            </a:pPr>
+            <a:r>
+              <a:rPr lang="en-GB" dirty="0" smtClean="0"/>
+              <a:t>Energy consumption</a:t>
+            </a:r>
+          </a:p>
+          <a:p>
+            <a:pPr>
+              <a:buFont typeface="Arial" charset="0"/>
+              <a:buChar char="•"/>
+            </a:pPr>
+            <a:endParaRPr lang="en-GB" dirty="0" smtClean="0"/>
+          </a:p>
+          <a:p>
+            <a:pPr>
+              <a:buFont typeface="Arial" charset="0"/>
+              <a:buChar char="•"/>
+            </a:pPr>
             <a:endParaRPr lang="en-GB" dirty="0"/>
           </a:p>
         </p:txBody>

--- a/presentation1/presentation1.pptx
+++ b/presentation1/presentation1.pptx
@@ -449,6 +449,11 @@
         </p:txBody>
       </p:sp>
     </p:spTree>
+    <p:extLst>
+      <p:ext uri="{BB962C8B-B14F-4D97-AF65-F5344CB8AC3E}">
+        <p14:creationId xmlns:p14="http://schemas.microsoft.com/office/powerpoint/2010/main" val="116101933"/>
+      </p:ext>
+    </p:extLst>
   </p:cSld>
   <p:clrMap bg1="lt1" tx1="dk1" bg2="lt2" tx2="dk2" accent1="accent1" accent2="accent2" accent3="accent3" accent4="accent4" accent5="accent5" accent6="accent6" hlink="hlink" folHlink="folHlink"/>
   <p:notesStyle>
@@ -815,6 +820,11 @@
         </p:txBody>
       </p:sp>
     </p:spTree>
+    <p:extLst>
+      <p:ext uri="{BB962C8B-B14F-4D97-AF65-F5344CB8AC3E}">
+        <p14:creationId xmlns:p14="http://schemas.microsoft.com/office/powerpoint/2010/main" val="1410036455"/>
+      </p:ext>
+    </p:extLst>
   </p:cSld>
   <p:clrMapOvr>
     <a:masterClrMapping/>
@@ -5329,9 +5339,22 @@
               <a:buChar char="•"/>
             </a:pPr>
             <a:r>
+              <a:rPr lang="en-GB" dirty="0" err="1" smtClean="0"/>
+              <a:t>Preemptive</a:t>
+            </a:r>
+            <a:r>
               <a:rPr lang="en-GB" dirty="0" smtClean="0"/>
-              <a:t>Migrate not only in case of failure but also when the location of the edge becomes suboptimal in relation to the user’s position:</a:t>
-            </a:r>
+              <a:t> Migration: </a:t>
+            </a:r>
+            <a:r>
+              <a:rPr lang="en-GB" sz="2000" baseline="30000" dirty="0"/>
+              <a:t>[1</a:t>
+            </a:r>
+            <a:r>
+              <a:rPr lang="en-GB" sz="2000" baseline="30000" dirty="0" smtClean="0"/>
+              <a:t>]</a:t>
+            </a:r>
+            <a:endParaRPr lang="en-GB" sz="2000" dirty="0" smtClean="0"/>
           </a:p>
           <a:p>
             <a:pPr lvl="1">
@@ -5340,44 +5363,77 @@
             </a:pPr>
             <a:r>
               <a:rPr lang="en-GB" dirty="0" smtClean="0"/>
-              <a:t>Distance</a:t>
-            </a:r>
-          </a:p>
-          <a:p>
-            <a:pPr lvl="1">
+              <a:t>Migrate </a:t>
+            </a:r>
+            <a:r>
+              <a:rPr lang="en-GB" dirty="0" smtClean="0"/>
+              <a:t>not only in case of failure but also when the location of the edge becomes </a:t>
+            </a:r>
+            <a:r>
+              <a:rPr lang="en-GB" dirty="0" smtClean="0"/>
+              <a:t>sub optimal </a:t>
+            </a:r>
+            <a:r>
+              <a:rPr lang="en-GB" dirty="0" smtClean="0"/>
+              <a:t>in relation to the user’s </a:t>
+            </a:r>
+            <a:r>
+              <a:rPr lang="en-GB" dirty="0" smtClean="0"/>
+              <a:t>position, taking into account:</a:t>
+            </a:r>
+            <a:endParaRPr lang="en-GB" dirty="0" smtClean="0"/>
+          </a:p>
+          <a:p>
+            <a:pPr lvl="2">
               <a:buFont typeface="Arial" charset="0"/>
               <a:buChar char="•"/>
             </a:pPr>
             <a:r>
               <a:rPr lang="en-GB" dirty="0" smtClean="0"/>
-              <a:t>Bandwidth</a:t>
-            </a:r>
-          </a:p>
-          <a:p>
-            <a:pPr lvl="1">
+              <a:t>Distance</a:t>
+            </a:r>
+          </a:p>
+          <a:p>
+            <a:pPr lvl="2">
               <a:buFont typeface="Arial" charset="0"/>
               <a:buChar char="•"/>
             </a:pPr>
             <a:r>
               <a:rPr lang="en-GB" dirty="0" smtClean="0"/>
-              <a:t>Cost</a:t>
-            </a:r>
-          </a:p>
-          <a:p>
-            <a:pPr lvl="1">
+              <a:t>Bandwidth</a:t>
+            </a:r>
+          </a:p>
+          <a:p>
+            <a:pPr lvl="2">
               <a:buFont typeface="Arial" charset="0"/>
               <a:buChar char="•"/>
             </a:pPr>
             <a:r>
               <a:rPr lang="en-GB" dirty="0" smtClean="0"/>
-              <a:t>Energy consumption</a:t>
-            </a:r>
-          </a:p>
-          <a:p>
-            <a:pPr>
+              <a:t>Cost</a:t>
+            </a:r>
+          </a:p>
+          <a:p>
+            <a:pPr lvl="2">
               <a:buFont typeface="Arial" charset="0"/>
               <a:buChar char="•"/>
             </a:pPr>
+            <a:r>
+              <a:rPr lang="en-GB" dirty="0" smtClean="0"/>
+              <a:t>Energy </a:t>
+            </a:r>
+            <a:r>
+              <a:rPr lang="en-GB" dirty="0" smtClean="0"/>
+              <a:t>consumption </a:t>
+            </a:r>
+            <a:r>
+              <a:rPr lang="en-GB" baseline="30000" dirty="0"/>
+              <a:t>[4</a:t>
+            </a:r>
+            <a:r>
+              <a:rPr lang="en-GB" baseline="30000" dirty="0" smtClean="0"/>
+              <a:t>]</a:t>
+            </a:r>
             <a:endParaRPr lang="en-GB" dirty="0" smtClean="0"/>
           </a:p>
           <a:p>
@@ -5530,8 +5586,53 @@
             </a:r>
             <a:r>
               <a:rPr lang="en-GB" sz="1600" dirty="0"/>
-              <a:t>, vol. 6, no. 7, pp. 28–34, 2015.</a:t>
-            </a:r>
+              <a:t>, vol. 6, no. 7, pp. 28–34, 2015</a:t>
+            </a:r>
+            <a:r>
+              <a:rPr lang="en-GB" sz="1600" dirty="0" smtClean="0"/>
+              <a:t>.</a:t>
+            </a:r>
+          </a:p>
+          <a:p>
+            <a:r>
+              <a:rPr lang="en-GB" sz="1600" dirty="0"/>
+              <a:t>[4]	H. Liu, H. </a:t>
+            </a:r>
+            <a:r>
+              <a:rPr lang="en-GB" sz="1600" dirty="0" err="1"/>
+              <a:t>Jin</a:t>
+            </a:r>
+            <a:r>
+              <a:rPr lang="en-GB" sz="1600" dirty="0"/>
+              <a:t>, C.-Z. Xu, and X. Liao, “Performance and energy </a:t>
+            </a:r>
+            <a:r>
+              <a:rPr lang="en-GB" sz="1600" dirty="0" err="1"/>
+              <a:t>modeling</a:t>
+            </a:r>
+            <a:r>
+              <a:rPr lang="en-GB" sz="1600" dirty="0"/>
+              <a:t> for live migration of virtual machines,” </a:t>
+            </a:r>
+            <a:r>
+              <a:rPr lang="en-GB" sz="1600" i="1" dirty="0"/>
+              <a:t>Cluster </a:t>
+            </a:r>
+            <a:r>
+              <a:rPr lang="en-GB" sz="1600" i="1" dirty="0" err="1"/>
+              <a:t>Comput</a:t>
+            </a:r>
+            <a:r>
+              <a:rPr lang="en-GB" sz="1600" i="1" dirty="0"/>
+              <a:t>.</a:t>
+            </a:r>
+            <a:r>
+              <a:rPr lang="en-GB" sz="1600" dirty="0"/>
+              <a:t>, pp. 249–264, 2011.</a:t>
+            </a:r>
+          </a:p>
+          <a:p>
+            <a:endParaRPr lang="en-GB" sz="1600" dirty="0"/>
           </a:p>
           <a:p>
             <a:endParaRPr lang="en-GB" sz="1600" dirty="0"/>
